--- a/DW/old_Telecommunications_and_Utilities.pptx
+++ b/DW/old_Telecommunications_and_Utilities.pptx
@@ -240,7 +240,7 @@
             <a:fld id="{BACF1C16-1DBC-436E-A33D-4874E2FD2FBE}" type="datetimeFigureOut">
               <a:rPr lang="th-TH" smtClean="0"/>
               <a:pPr/>
-              <a:t>22/09/52</a:t>
+              <a:t>22/08/53</a:t>
             </a:fld>
             <a:endParaRPr lang="th-TH"/>
           </a:p>
@@ -409,6 +409,11 @@
         </p:txBody>
       </p:sp>
     </p:spTree>
+    <p:extLst>
+      <p:ext uri="{BB962C8B-B14F-4D97-AF65-F5344CB8AC3E}">
+        <p14:creationId xmlns:p14="http://schemas.microsoft.com/office/powerpoint/2010/main" val="3027137566"/>
+      </p:ext>
+    </p:extLst>
   </p:cSld>
   <p:clrMap bg1="lt1" tx1="dk1" bg2="lt2" tx2="dk2" accent1="accent1" accent2="accent2" accent3="accent3" accent4="accent4" accent5="accent5" accent6="accent6" hlink="hlink" folHlink="folHlink"/>
   <p:notesStyle>
@@ -5068,7 +5073,7 @@
             <a:fld id="{608FEEBA-ACFB-4749-BC4E-DBE1E768C66D}" type="datetimeFigureOut">
               <a:rPr lang="th-TH" smtClean="0"/>
               <a:pPr/>
-              <a:t>22/09/52</a:t>
+              <a:t>22/08/53</a:t>
             </a:fld>
             <a:endParaRPr lang="th-TH"/>
           </a:p>
@@ -5266,7 +5271,7 @@
             <a:fld id="{608FEEBA-ACFB-4749-BC4E-DBE1E768C66D}" type="datetimeFigureOut">
               <a:rPr lang="th-TH" smtClean="0"/>
               <a:pPr/>
-              <a:t>22/09/52</a:t>
+              <a:t>22/08/53</a:t>
             </a:fld>
             <a:endParaRPr lang="th-TH"/>
           </a:p>
@@ -5453,7 +5458,7 @@
             <a:fld id="{608FEEBA-ACFB-4749-BC4E-DBE1E768C66D}" type="datetimeFigureOut">
               <a:rPr lang="th-TH" smtClean="0"/>
               <a:pPr/>
-              <a:t>22/09/52</a:t>
+              <a:t>22/08/53</a:t>
             </a:fld>
             <a:endParaRPr lang="th-TH"/>
           </a:p>
@@ -5605,7 +5610,7 @@
             <a:fld id="{608FEEBA-ACFB-4749-BC4E-DBE1E768C66D}" type="datetimeFigureOut">
               <a:rPr lang="th-TH" smtClean="0"/>
               <a:pPr/>
-              <a:t>22/09/52</a:t>
+              <a:t>22/08/53</a:t>
             </a:fld>
             <a:endParaRPr lang="th-TH"/>
           </a:p>
@@ -5862,7 +5867,7 @@
             <a:fld id="{608FEEBA-ACFB-4749-BC4E-DBE1E768C66D}" type="datetimeFigureOut">
               <a:rPr lang="th-TH" smtClean="0"/>
               <a:pPr/>
-              <a:t>22/09/52</a:t>
+              <a:t>22/08/53</a:t>
             </a:fld>
             <a:endParaRPr lang="th-TH"/>
           </a:p>
@@ -6273,7 +6278,7 @@
             <a:fld id="{608FEEBA-ACFB-4749-BC4E-DBE1E768C66D}" type="datetimeFigureOut">
               <a:rPr lang="th-TH" smtClean="0"/>
               <a:pPr/>
-              <a:t>22/09/52</a:t>
+              <a:t>22/08/53</a:t>
             </a:fld>
             <a:endParaRPr lang="th-TH"/>
           </a:p>
@@ -6721,7 +6726,7 @@
             <a:fld id="{608FEEBA-ACFB-4749-BC4E-DBE1E768C66D}" type="datetimeFigureOut">
               <a:rPr lang="th-TH" smtClean="0"/>
               <a:pPr/>
-              <a:t>22/09/52</a:t>
+              <a:t>22/08/53</a:t>
             </a:fld>
             <a:endParaRPr lang="th-TH"/>
           </a:p>
@@ -6824,7 +6829,7 @@
             <a:fld id="{608FEEBA-ACFB-4749-BC4E-DBE1E768C66D}" type="datetimeFigureOut">
               <a:rPr lang="th-TH" smtClean="0"/>
               <a:pPr/>
-              <a:t>22/09/52</a:t>
+              <a:t>22/08/53</a:t>
             </a:fld>
             <a:endParaRPr lang="th-TH"/>
           </a:p>
@@ -6947,7 +6952,7 @@
             <a:fld id="{608FEEBA-ACFB-4749-BC4E-DBE1E768C66D}" type="datetimeFigureOut">
               <a:rPr lang="th-TH" smtClean="0"/>
               <a:pPr/>
-              <a:t>22/09/52</a:t>
+              <a:t>22/08/53</a:t>
             </a:fld>
             <a:endParaRPr lang="th-TH"/>
           </a:p>
@@ -7223,7 +7228,7 @@
             <a:fld id="{608FEEBA-ACFB-4749-BC4E-DBE1E768C66D}" type="datetimeFigureOut">
               <a:rPr lang="th-TH" smtClean="0"/>
               <a:pPr/>
-              <a:t>22/09/52</a:t>
+              <a:t>22/08/53</a:t>
             </a:fld>
             <a:endParaRPr lang="th-TH"/>
           </a:p>
@@ -7430,7 +7435,7 @@
             <a:fld id="{608FEEBA-ACFB-4749-BC4E-DBE1E768C66D}" type="datetimeFigureOut">
               <a:rPr lang="th-TH" smtClean="0"/>
               <a:pPr/>
-              <a:t>22/09/52</a:t>
+              <a:t>22/08/53</a:t>
             </a:fld>
             <a:endParaRPr lang="th-TH"/>
           </a:p>
@@ -8541,7 +8546,7 @@
             <a:fld id="{608FEEBA-ACFB-4749-BC4E-DBE1E768C66D}" type="datetimeFigureOut">
               <a:rPr lang="th-TH" smtClean="0"/>
               <a:pPr/>
-              <a:t>22/09/52</a:t>
+              <a:t>22/08/53</a:t>
             </a:fld>
             <a:endParaRPr lang="th-TH"/>
           </a:p>
@@ -9052,21 +9057,7 @@
                 <a:latin typeface="Angsana New" pitchFamily="18" charset="-34"/>
                 <a:cs typeface="Angsana New" pitchFamily="18" charset="-34"/>
               </a:rPr>
-              <a:t>นายพนัส สุนทร</a:t>
-            </a:r>
-            <a:r>
-              <a:rPr lang="th-TH" dirty="0" smtClean="0">
-                <a:latin typeface="Angsana New" pitchFamily="18" charset="-34"/>
-                <a:cs typeface="Angsana New" pitchFamily="18" charset="-34"/>
-              </a:rPr>
-              <a:t>ไพบูลย์</a:t>
-            </a:r>
-            <a:r>
-              <a:rPr lang="th-TH" dirty="0" smtClean="0">
-                <a:latin typeface="Angsana New" pitchFamily="18" charset="-34"/>
-                <a:cs typeface="Angsana New" pitchFamily="18" charset="-34"/>
-              </a:rPr>
-              <a:t>กุล 49051113</a:t>
+              <a:t>นายพนัส สุนทรไพบูลย์กุล 49051113</a:t>
             </a:r>
           </a:p>
           <a:p>
@@ -9093,10 +9084,6 @@
               </a:rPr>
               <a:t>49054190</a:t>
             </a:r>
-            <a:endParaRPr lang="en-US" dirty="0" smtClean="0">
-              <a:latin typeface="Angsana New" pitchFamily="18" charset="-34"/>
-              <a:cs typeface="Angsana New" pitchFamily="18" charset="-34"/>
-            </a:endParaRPr>
           </a:p>
         </p:txBody>
       </p:sp>
@@ -10774,11 +10761,7 @@
             </a:r>
             <a:r>
               <a:rPr lang="th-TH" sz="3200" dirty="0" smtClean="0"/>
-              <a:t> </a:t>
-            </a:r>
-            <a:r>
-              <a:rPr lang="th-TH" sz="3200" dirty="0" smtClean="0"/>
-              <a:t>จากจุดที่มีความผิดปกติ</a:t>
+              <a:t> จากจุดที่มีความผิดปกติ</a:t>
             </a:r>
           </a:p>
           <a:p>
@@ -10790,13 +10773,8 @@
           <a:p>
             <a:r>
               <a:rPr lang="en-US" sz="3200" dirty="0" smtClean="0"/>
-              <a:t>What’s wrong with this </a:t>
-            </a:r>
-            <a:r>
-              <a:rPr lang="en-US" sz="3200" dirty="0" smtClean="0"/>
-              <a:t>picture.</a:t>
-            </a:r>
-            <a:endParaRPr lang="en-US" sz="3200" dirty="0" smtClean="0"/>
+              <a:t>What’s wrong with this picture.</a:t>
+            </a:r>
           </a:p>
           <a:p>
             <a:pPr>
@@ -10836,7 +10814,6 @@
               <a:rPr lang="en-US" sz="3200" dirty="0" smtClean="0"/>
               <a:t>Basis Case Study</a:t>
             </a:r>
-            <a:endParaRPr lang="en-US" sz="3200" dirty="0" smtClean="0"/>
           </a:p>
           <a:p>
             <a:endParaRPr lang="en-US" sz="3200" dirty="0" smtClean="0"/>
@@ -13560,19 +13537,11 @@
             </a:r>
             <a:r>
               <a:rPr lang="en-US" sz="3200" dirty="0" smtClean="0"/>
-              <a:t>Attribute </a:t>
-            </a:r>
-            <a:r>
-              <a:rPr lang="en-US" sz="3200" dirty="0" smtClean="0"/>
-              <a:t>Year-to-Date </a:t>
-            </a:r>
-            <a:r>
-              <a:rPr lang="th-TH" sz="3200" dirty="0" smtClean="0"/>
-              <a:t>นี้</a:t>
-            </a:r>
-            <a:r>
-              <a:rPr lang="th-TH" sz="3200" dirty="0" smtClean="0"/>
-              <a:t>เข้าไปเพื่อให้ง่ายต่อการดึงข้อมูลมาใช้</a:t>
+              <a:t>Attribute Year-to-Date </a:t>
+            </a:r>
+            <a:r>
+              <a:rPr lang="th-TH" sz="3200" dirty="0" smtClean="0"/>
+              <a:t>นี้เข้าไปเพื่อให้ง่ายต่อการดึงข้อมูลมาใช้</a:t>
             </a:r>
             <a:endParaRPr lang="en-US" sz="3200" dirty="0" smtClean="0"/>
           </a:p>
@@ -14205,11 +14174,7 @@
             <a:pPr lvl="1"/>
             <a:r>
               <a:rPr lang="th-TH" sz="2800" dirty="0" smtClean="0"/>
-              <a:t>ที่อยู่ของ</a:t>
-            </a:r>
-            <a:r>
-              <a:rPr lang="th-TH" sz="2800" dirty="0" smtClean="0"/>
-              <a:t>ลูกค้าและพนักงาน</a:t>
+              <a:t>ที่อยู่ของลูกค้าและพนักงาน</a:t>
             </a:r>
             <a:endParaRPr lang="th-TH" sz="2800" dirty="0"/>
           </a:p>
@@ -15524,13 +15489,8 @@
           <a:p>
             <a:r>
               <a:rPr lang="en-US" dirty="0" smtClean="0"/>
-              <a:t>The Telecommunications Data Warehouse Model (TDWM) provides Operators with both the content and the infrastructure to support the provision of clean, rationalized and easily accessible data from a central information repository. It allows Operators to exploit the potential of information previously locked in legacy systems and summarized in distributed data marts in accessible to most business users</a:t>
-            </a:r>
-            <a:r>
-              <a:rPr lang="en-US" dirty="0" smtClean="0"/>
-              <a:t>.</a:t>
-            </a:r>
-            <a:endParaRPr lang="en-US" dirty="0" smtClean="0"/>
+              <a:t>The Telecommunications Data Warehouse Model (TDWM) provides Operators with both the content and the infrastructure to support the provision of clean, rationalized and easily accessible data from a central information repository. It allows Operators to exploit the potential of information previously locked in legacy systems and summarized in distributed data marts in accessible to most business users.</a:t>
+            </a:r>
           </a:p>
         </p:txBody>
       </p:sp>
@@ -15553,11 +15513,7 @@
           <a:p>
             <a:r>
               <a:rPr lang="en-US" dirty="0" smtClean="0"/>
-              <a:t>What is the Telecommunications Data Warehouse Model</a:t>
-            </a:r>
-            <a:r>
-              <a:rPr lang="en-US" dirty="0" smtClean="0"/>
-              <a:t>?</a:t>
+              <a:t>What is the Telecommunications Data Warehouse Model?</a:t>
             </a:r>
             <a:endParaRPr lang="en-US" dirty="0"/>
           </a:p>
